--- a/Presentation1.pptx
+++ b/Presentation1.pptx
@@ -117,6 +117,9 @@
   <p:extLst>
     <p:ext uri="{EFAFB233-063F-42B5-8137-9DF3F51BA10A}">
       <p15:sldGuideLst xmlns:p15="http://schemas.microsoft.com/office/powerpoint/2012/main"/>
+    </p:ext>
+    <p:ext uri="{2D200454-40CA-4A62-9FC3-DE9A4176ACB9}">
+      <p15:notesGuideLst xmlns:p15="http://schemas.microsoft.com/office/powerpoint/2012/main"/>
     </p:ext>
   </p:extLst>
 </p:presentation>
@@ -1437,635 +1440,6 @@
       <dsp:cNvGrpSpPr/>
     </dsp:nvGrpSpPr>
     <dsp:grpSpPr/>
-    <dsp:sp modelId="{9D0EC493-6FFA-4301-A658-07D0AD788009}">
-      <dsp:nvSpPr>
-        <dsp:cNvPr id="0" name=""/>
-        <dsp:cNvSpPr/>
-      </dsp:nvSpPr>
-      <dsp:spPr>
-        <a:xfrm>
-          <a:off x="3676918" y="1732548"/>
-          <a:ext cx="2879785" cy="333198"/>
-        </a:xfrm>
-        <a:custGeom>
-          <a:avLst/>
-          <a:gdLst/>
-          <a:ahLst/>
-          <a:cxnLst/>
-          <a:rect l="0" t="0" r="0" b="0"/>
-          <a:pathLst>
-            <a:path>
-              <a:moveTo>
-                <a:pt x="0" y="0"/>
-              </a:moveTo>
-              <a:lnTo>
-                <a:pt x="0" y="166599"/>
-              </a:lnTo>
-              <a:lnTo>
-                <a:pt x="2879785" y="166599"/>
-              </a:lnTo>
-              <a:lnTo>
-                <a:pt x="2879785" y="333198"/>
-              </a:lnTo>
-            </a:path>
-          </a:pathLst>
-        </a:custGeom>
-        <a:noFill/>
-        <a:ln w="19050" cap="rnd" cmpd="sng" algn="ctr">
-          <a:solidFill>
-            <a:schemeClr val="accent1">
-              <a:shade val="60000"/>
-              <a:hueOff val="0"/>
-              <a:satOff val="0"/>
-              <a:lumOff val="0"/>
-              <a:alphaOff val="0"/>
-            </a:schemeClr>
-          </a:solidFill>
-          <a:prstDash val="solid"/>
-        </a:ln>
-        <a:effectLst/>
-      </dsp:spPr>
-      <dsp:style>
-        <a:lnRef idx="2">
-          <a:scrgbClr r="0" g="0" b="0"/>
-        </a:lnRef>
-        <a:fillRef idx="0">
-          <a:scrgbClr r="0" g="0" b="0"/>
-        </a:fillRef>
-        <a:effectRef idx="0">
-          <a:scrgbClr r="0" g="0" b="0"/>
-        </a:effectRef>
-        <a:fontRef idx="minor"/>
-      </dsp:style>
-    </dsp:sp>
-    <dsp:sp modelId="{DE273B5B-BAC7-42DC-ABD5-E8380A38F756}">
-      <dsp:nvSpPr>
-        <dsp:cNvPr id="0" name=""/>
-        <dsp:cNvSpPr/>
-      </dsp:nvSpPr>
-      <dsp:spPr>
-        <a:xfrm>
-          <a:off x="3676918" y="1732548"/>
-          <a:ext cx="959928" cy="333198"/>
-        </a:xfrm>
-        <a:custGeom>
-          <a:avLst/>
-          <a:gdLst/>
-          <a:ahLst/>
-          <a:cxnLst/>
-          <a:rect l="0" t="0" r="0" b="0"/>
-          <a:pathLst>
-            <a:path>
-              <a:moveTo>
-                <a:pt x="0" y="0"/>
-              </a:moveTo>
-              <a:lnTo>
-                <a:pt x="0" y="166599"/>
-              </a:lnTo>
-              <a:lnTo>
-                <a:pt x="959928" y="166599"/>
-              </a:lnTo>
-              <a:lnTo>
-                <a:pt x="959928" y="333198"/>
-              </a:lnTo>
-            </a:path>
-          </a:pathLst>
-        </a:custGeom>
-        <a:noFill/>
-        <a:ln w="19050" cap="rnd" cmpd="sng" algn="ctr">
-          <a:solidFill>
-            <a:schemeClr val="accent1">
-              <a:shade val="60000"/>
-              <a:hueOff val="0"/>
-              <a:satOff val="0"/>
-              <a:lumOff val="0"/>
-              <a:alphaOff val="0"/>
-            </a:schemeClr>
-          </a:solidFill>
-          <a:prstDash val="solid"/>
-        </a:ln>
-        <a:effectLst/>
-      </dsp:spPr>
-      <dsp:style>
-        <a:lnRef idx="2">
-          <a:scrgbClr r="0" g="0" b="0"/>
-        </a:lnRef>
-        <a:fillRef idx="0">
-          <a:scrgbClr r="0" g="0" b="0"/>
-        </a:fillRef>
-        <a:effectRef idx="0">
-          <a:scrgbClr r="0" g="0" b="0"/>
-        </a:effectRef>
-        <a:fontRef idx="minor"/>
-      </dsp:style>
-    </dsp:sp>
-    <dsp:sp modelId="{8F30AE4D-3CEE-4A66-A090-E62A9BDF14EA}">
-      <dsp:nvSpPr>
-        <dsp:cNvPr id="0" name=""/>
-        <dsp:cNvSpPr/>
-      </dsp:nvSpPr>
-      <dsp:spPr>
-        <a:xfrm>
-          <a:off x="2716990" y="1732548"/>
-          <a:ext cx="959928" cy="333198"/>
-        </a:xfrm>
-        <a:custGeom>
-          <a:avLst/>
-          <a:gdLst/>
-          <a:ahLst/>
-          <a:cxnLst/>
-          <a:rect l="0" t="0" r="0" b="0"/>
-          <a:pathLst>
-            <a:path>
-              <a:moveTo>
-                <a:pt x="959928" y="0"/>
-              </a:moveTo>
-              <a:lnTo>
-                <a:pt x="959928" y="166599"/>
-              </a:lnTo>
-              <a:lnTo>
-                <a:pt x="0" y="166599"/>
-              </a:lnTo>
-              <a:lnTo>
-                <a:pt x="0" y="333198"/>
-              </a:lnTo>
-            </a:path>
-          </a:pathLst>
-        </a:custGeom>
-        <a:noFill/>
-        <a:ln w="19050" cap="rnd" cmpd="sng" algn="ctr">
-          <a:solidFill>
-            <a:schemeClr val="accent1">
-              <a:shade val="60000"/>
-              <a:hueOff val="0"/>
-              <a:satOff val="0"/>
-              <a:lumOff val="0"/>
-              <a:alphaOff val="0"/>
-            </a:schemeClr>
-          </a:solidFill>
-          <a:prstDash val="solid"/>
-        </a:ln>
-        <a:effectLst/>
-      </dsp:spPr>
-      <dsp:style>
-        <a:lnRef idx="2">
-          <a:scrgbClr r="0" g="0" b="0"/>
-        </a:lnRef>
-        <a:fillRef idx="0">
-          <a:scrgbClr r="0" g="0" b="0"/>
-        </a:fillRef>
-        <a:effectRef idx="0">
-          <a:scrgbClr r="0" g="0" b="0"/>
-        </a:effectRef>
-        <a:fontRef idx="minor"/>
-      </dsp:style>
-    </dsp:sp>
-    <dsp:sp modelId="{B0552056-D856-4BFA-8174-C2A1F397430E}">
-      <dsp:nvSpPr>
-        <dsp:cNvPr id="0" name=""/>
-        <dsp:cNvSpPr/>
-      </dsp:nvSpPr>
-      <dsp:spPr>
-        <a:xfrm>
-          <a:off x="797133" y="1732548"/>
-          <a:ext cx="2879785" cy="333198"/>
-        </a:xfrm>
-        <a:custGeom>
-          <a:avLst/>
-          <a:gdLst/>
-          <a:ahLst/>
-          <a:cxnLst/>
-          <a:rect l="0" t="0" r="0" b="0"/>
-          <a:pathLst>
-            <a:path>
-              <a:moveTo>
-                <a:pt x="2879785" y="0"/>
-              </a:moveTo>
-              <a:lnTo>
-                <a:pt x="2879785" y="166599"/>
-              </a:lnTo>
-              <a:lnTo>
-                <a:pt x="0" y="166599"/>
-              </a:lnTo>
-              <a:lnTo>
-                <a:pt x="0" y="333198"/>
-              </a:lnTo>
-            </a:path>
-          </a:pathLst>
-        </a:custGeom>
-        <a:noFill/>
-        <a:ln w="19050" cap="rnd" cmpd="sng" algn="ctr">
-          <a:solidFill>
-            <a:schemeClr val="accent1">
-              <a:shade val="60000"/>
-              <a:hueOff val="0"/>
-              <a:satOff val="0"/>
-              <a:lumOff val="0"/>
-              <a:alphaOff val="0"/>
-            </a:schemeClr>
-          </a:solidFill>
-          <a:prstDash val="solid"/>
-        </a:ln>
-        <a:effectLst/>
-      </dsp:spPr>
-      <dsp:style>
-        <a:lnRef idx="2">
-          <a:scrgbClr r="0" g="0" b="0"/>
-        </a:lnRef>
-        <a:fillRef idx="0">
-          <a:scrgbClr r="0" g="0" b="0"/>
-        </a:fillRef>
-        <a:effectRef idx="0">
-          <a:scrgbClr r="0" g="0" b="0"/>
-        </a:effectRef>
-        <a:fontRef idx="minor"/>
-      </dsp:style>
-    </dsp:sp>
-    <dsp:sp modelId="{79E664A5-E849-4F21-A073-1850AB61A0A8}">
-      <dsp:nvSpPr>
-        <dsp:cNvPr id="0" name=""/>
-        <dsp:cNvSpPr/>
-      </dsp:nvSpPr>
-      <dsp:spPr>
-        <a:xfrm>
-          <a:off x="2883589" y="896665"/>
-          <a:ext cx="1586658" cy="835883"/>
-        </a:xfrm>
-        <a:prstGeom prst="rect">
-          <a:avLst/>
-        </a:prstGeom>
-        <a:solidFill>
-          <a:schemeClr val="accent1">
-            <a:hueOff val="0"/>
-            <a:satOff val="0"/>
-            <a:lumOff val="0"/>
-            <a:alphaOff val="0"/>
-          </a:schemeClr>
-        </a:solidFill>
-        <a:ln w="19050" cap="rnd" cmpd="sng" algn="ctr">
-          <a:solidFill>
-            <a:schemeClr val="lt1">
-              <a:hueOff val="0"/>
-              <a:satOff val="0"/>
-              <a:lumOff val="0"/>
-              <a:alphaOff val="0"/>
-            </a:schemeClr>
-          </a:solidFill>
-          <a:prstDash val="solid"/>
-        </a:ln>
-        <a:effectLst/>
-      </dsp:spPr>
-      <dsp:style>
-        <a:lnRef idx="2">
-          <a:scrgbClr r="0" g="0" b="0"/>
-        </a:lnRef>
-        <a:fillRef idx="1">
-          <a:scrgbClr r="0" g="0" b="0"/>
-        </a:fillRef>
-        <a:effectRef idx="0">
-          <a:scrgbClr r="0" g="0" b="0"/>
-        </a:effectRef>
-        <a:fontRef idx="minor">
-          <a:schemeClr val="lt1"/>
-        </a:fontRef>
-      </dsp:style>
-      <dsp:txBody>
-        <a:bodyPr spcFirstLastPara="0" vert="horz" wrap="square" lIns="14605" tIns="14605" rIns="14605" bIns="14605" numCol="1" spcCol="1270" anchor="ctr" anchorCtr="0">
-          <a:noAutofit/>
-        </a:bodyPr>
-        <a:lstStyle/>
-        <a:p>
-          <a:pPr lvl="0" algn="ctr" defTabSz="1022350">
-            <a:lnSpc>
-              <a:spcPct val="90000"/>
-            </a:lnSpc>
-            <a:spcBef>
-              <a:spcPct val="0"/>
-            </a:spcBef>
-            <a:spcAft>
-              <a:spcPct val="35000"/>
-            </a:spcAft>
-          </a:pPr>
-          <a:r>
-            <a:rPr lang="en-US" sz="2300" kern="1200" dirty="0" smtClean="0"/>
-            <a:t>Baby Bunch</a:t>
-          </a:r>
-          <a:endParaRPr lang="en-US" sz="2300" kern="1200" dirty="0"/>
-        </a:p>
-      </dsp:txBody>
-      <dsp:txXfrm>
-        <a:off x="2883589" y="896665"/>
-        <a:ext cx="1586658" cy="835883"/>
-      </dsp:txXfrm>
-    </dsp:sp>
-    <dsp:sp modelId="{4B8CD3B9-F423-4B79-A054-B2881D3B436A}">
-      <dsp:nvSpPr>
-        <dsp:cNvPr id="0" name=""/>
-        <dsp:cNvSpPr/>
-      </dsp:nvSpPr>
-      <dsp:spPr>
-        <a:xfrm>
-          <a:off x="3803" y="2065747"/>
-          <a:ext cx="1586658" cy="793329"/>
-        </a:xfrm>
-        <a:prstGeom prst="rect">
-          <a:avLst/>
-        </a:prstGeom>
-        <a:solidFill>
-          <a:schemeClr val="accent1">
-            <a:hueOff val="0"/>
-            <a:satOff val="0"/>
-            <a:lumOff val="0"/>
-            <a:alphaOff val="0"/>
-          </a:schemeClr>
-        </a:solidFill>
-        <a:ln w="19050" cap="rnd" cmpd="sng" algn="ctr">
-          <a:solidFill>
-            <a:schemeClr val="lt1">
-              <a:hueOff val="0"/>
-              <a:satOff val="0"/>
-              <a:lumOff val="0"/>
-              <a:alphaOff val="0"/>
-            </a:schemeClr>
-          </a:solidFill>
-          <a:prstDash val="solid"/>
-        </a:ln>
-        <a:effectLst/>
-      </dsp:spPr>
-      <dsp:style>
-        <a:lnRef idx="2">
-          <a:scrgbClr r="0" g="0" b="0"/>
-        </a:lnRef>
-        <a:fillRef idx="1">
-          <a:scrgbClr r="0" g="0" b="0"/>
-        </a:fillRef>
-        <a:effectRef idx="0">
-          <a:scrgbClr r="0" g="0" b="0"/>
-        </a:effectRef>
-        <a:fontRef idx="minor">
-          <a:schemeClr val="lt1"/>
-        </a:fontRef>
-      </dsp:style>
-      <dsp:txBody>
-        <a:bodyPr spcFirstLastPara="0" vert="horz" wrap="square" lIns="14605" tIns="14605" rIns="14605" bIns="14605" numCol="1" spcCol="1270" anchor="ctr" anchorCtr="0">
-          <a:noAutofit/>
-        </a:bodyPr>
-        <a:lstStyle/>
-        <a:p>
-          <a:pPr lvl="0" algn="ctr" defTabSz="1022350">
-            <a:lnSpc>
-              <a:spcPct val="90000"/>
-            </a:lnSpc>
-            <a:spcBef>
-              <a:spcPct val="0"/>
-            </a:spcBef>
-            <a:spcAft>
-              <a:spcPct val="35000"/>
-            </a:spcAft>
-          </a:pPr>
-          <a:r>
-            <a:rPr lang="en-US" sz="2300" kern="1200" dirty="0" smtClean="0"/>
-            <a:t>Paint App</a:t>
-          </a:r>
-          <a:endParaRPr lang="en-US" sz="2300" kern="1200" dirty="0"/>
-        </a:p>
-      </dsp:txBody>
-      <dsp:txXfrm>
-        <a:off x="3803" y="2065747"/>
-        <a:ext cx="1586658" cy="793329"/>
-      </dsp:txXfrm>
-    </dsp:sp>
-    <dsp:sp modelId="{341EE1B5-B471-4F4D-9891-1E3291EDC9D2}">
-      <dsp:nvSpPr>
-        <dsp:cNvPr id="0" name=""/>
-        <dsp:cNvSpPr/>
-      </dsp:nvSpPr>
-      <dsp:spPr>
-        <a:xfrm>
-          <a:off x="1923660" y="2065747"/>
-          <a:ext cx="1586658" cy="793329"/>
-        </a:xfrm>
-        <a:prstGeom prst="rect">
-          <a:avLst/>
-        </a:prstGeom>
-        <a:solidFill>
-          <a:schemeClr val="accent1">
-            <a:hueOff val="0"/>
-            <a:satOff val="0"/>
-            <a:lumOff val="0"/>
-            <a:alphaOff val="0"/>
-          </a:schemeClr>
-        </a:solidFill>
-        <a:ln w="19050" cap="rnd" cmpd="sng" algn="ctr">
-          <a:solidFill>
-            <a:schemeClr val="lt1">
-              <a:hueOff val="0"/>
-              <a:satOff val="0"/>
-              <a:lumOff val="0"/>
-              <a:alphaOff val="0"/>
-            </a:schemeClr>
-          </a:solidFill>
-          <a:prstDash val="solid"/>
-        </a:ln>
-        <a:effectLst/>
-      </dsp:spPr>
-      <dsp:style>
-        <a:lnRef idx="2">
-          <a:scrgbClr r="0" g="0" b="0"/>
-        </a:lnRef>
-        <a:fillRef idx="1">
-          <a:scrgbClr r="0" g="0" b="0"/>
-        </a:fillRef>
-        <a:effectRef idx="0">
-          <a:scrgbClr r="0" g="0" b="0"/>
-        </a:effectRef>
-        <a:fontRef idx="minor">
-          <a:schemeClr val="lt1"/>
-        </a:fontRef>
-      </dsp:style>
-      <dsp:txBody>
-        <a:bodyPr spcFirstLastPara="0" vert="horz" wrap="square" lIns="14605" tIns="14605" rIns="14605" bIns="14605" numCol="1" spcCol="1270" anchor="ctr" anchorCtr="0">
-          <a:noAutofit/>
-        </a:bodyPr>
-        <a:lstStyle/>
-        <a:p>
-          <a:pPr lvl="0" algn="ctr" defTabSz="1022350">
-            <a:lnSpc>
-              <a:spcPct val="90000"/>
-            </a:lnSpc>
-            <a:spcBef>
-              <a:spcPct val="0"/>
-            </a:spcBef>
-            <a:spcAft>
-              <a:spcPct val="35000"/>
-            </a:spcAft>
-          </a:pPr>
-          <a:r>
-            <a:rPr lang="en-US" sz="2300" kern="1200" dirty="0" smtClean="0"/>
-            <a:t>Interactive gaming app</a:t>
-          </a:r>
-          <a:endParaRPr lang="en-US" sz="2300" kern="1200" dirty="0"/>
-        </a:p>
-      </dsp:txBody>
-      <dsp:txXfrm>
-        <a:off x="1923660" y="2065747"/>
-        <a:ext cx="1586658" cy="793329"/>
-      </dsp:txXfrm>
-    </dsp:sp>
-    <dsp:sp modelId="{C2D3F770-2314-425B-9016-687A4A830D3C}">
-      <dsp:nvSpPr>
-        <dsp:cNvPr id="0" name=""/>
-        <dsp:cNvSpPr/>
-      </dsp:nvSpPr>
-      <dsp:spPr>
-        <a:xfrm>
-          <a:off x="3843517" y="2065747"/>
-          <a:ext cx="1586658" cy="793329"/>
-        </a:xfrm>
-        <a:prstGeom prst="rect">
-          <a:avLst/>
-        </a:prstGeom>
-        <a:solidFill>
-          <a:schemeClr val="accent1">
-            <a:hueOff val="0"/>
-            <a:satOff val="0"/>
-            <a:lumOff val="0"/>
-            <a:alphaOff val="0"/>
-          </a:schemeClr>
-        </a:solidFill>
-        <a:ln w="19050" cap="rnd" cmpd="sng" algn="ctr">
-          <a:solidFill>
-            <a:schemeClr val="lt1">
-              <a:hueOff val="0"/>
-              <a:satOff val="0"/>
-              <a:lumOff val="0"/>
-              <a:alphaOff val="0"/>
-            </a:schemeClr>
-          </a:solidFill>
-          <a:prstDash val="solid"/>
-        </a:ln>
-        <a:effectLst/>
-      </dsp:spPr>
-      <dsp:style>
-        <a:lnRef idx="2">
-          <a:scrgbClr r="0" g="0" b="0"/>
-        </a:lnRef>
-        <a:fillRef idx="1">
-          <a:scrgbClr r="0" g="0" b="0"/>
-        </a:fillRef>
-        <a:effectRef idx="0">
-          <a:scrgbClr r="0" g="0" b="0"/>
-        </a:effectRef>
-        <a:fontRef idx="minor">
-          <a:schemeClr val="lt1"/>
-        </a:fontRef>
-      </dsp:style>
-      <dsp:txBody>
-        <a:bodyPr spcFirstLastPara="0" vert="horz" wrap="square" lIns="14605" tIns="14605" rIns="14605" bIns="14605" numCol="1" spcCol="1270" anchor="ctr" anchorCtr="0">
-          <a:noAutofit/>
-        </a:bodyPr>
-        <a:lstStyle/>
-        <a:p>
-          <a:pPr lvl="0" algn="ctr" defTabSz="1022350">
-            <a:lnSpc>
-              <a:spcPct val="90000"/>
-            </a:lnSpc>
-            <a:spcBef>
-              <a:spcPct val="0"/>
-            </a:spcBef>
-            <a:spcAft>
-              <a:spcPct val="35000"/>
-            </a:spcAft>
-          </a:pPr>
-          <a:r>
-            <a:rPr lang="en-US" sz="2300" kern="1200" dirty="0" smtClean="0"/>
-            <a:t>Baby Piano</a:t>
-          </a:r>
-          <a:endParaRPr lang="en-US" sz="2300" kern="1200" dirty="0"/>
-        </a:p>
-      </dsp:txBody>
-      <dsp:txXfrm>
-        <a:off x="3843517" y="2065747"/>
-        <a:ext cx="1586658" cy="793329"/>
-      </dsp:txXfrm>
-    </dsp:sp>
-    <dsp:sp modelId="{651FB2D5-FAFD-442E-A123-A83224E3605D}">
-      <dsp:nvSpPr>
-        <dsp:cNvPr id="0" name=""/>
-        <dsp:cNvSpPr/>
-      </dsp:nvSpPr>
-      <dsp:spPr>
-        <a:xfrm>
-          <a:off x="5763374" y="2065747"/>
-          <a:ext cx="1586658" cy="793329"/>
-        </a:xfrm>
-        <a:prstGeom prst="rect">
-          <a:avLst/>
-        </a:prstGeom>
-        <a:solidFill>
-          <a:schemeClr val="accent1">
-            <a:hueOff val="0"/>
-            <a:satOff val="0"/>
-            <a:lumOff val="0"/>
-            <a:alphaOff val="0"/>
-          </a:schemeClr>
-        </a:solidFill>
-        <a:ln w="19050" cap="rnd" cmpd="sng" algn="ctr">
-          <a:solidFill>
-            <a:schemeClr val="lt1">
-              <a:hueOff val="0"/>
-              <a:satOff val="0"/>
-              <a:lumOff val="0"/>
-              <a:alphaOff val="0"/>
-            </a:schemeClr>
-          </a:solidFill>
-          <a:prstDash val="solid"/>
-        </a:ln>
-        <a:effectLst/>
-      </dsp:spPr>
-      <dsp:style>
-        <a:lnRef idx="2">
-          <a:scrgbClr r="0" g="0" b="0"/>
-        </a:lnRef>
-        <a:fillRef idx="1">
-          <a:scrgbClr r="0" g="0" b="0"/>
-        </a:fillRef>
-        <a:effectRef idx="0">
-          <a:scrgbClr r="0" g="0" b="0"/>
-        </a:effectRef>
-        <a:fontRef idx="minor">
-          <a:schemeClr val="lt1"/>
-        </a:fontRef>
-      </dsp:style>
-      <dsp:txBody>
-        <a:bodyPr spcFirstLastPara="0" vert="horz" wrap="square" lIns="14605" tIns="14605" rIns="14605" bIns="14605" numCol="1" spcCol="1270" anchor="ctr" anchorCtr="0">
-          <a:noAutofit/>
-        </a:bodyPr>
-        <a:lstStyle/>
-        <a:p>
-          <a:pPr lvl="0" algn="ctr" defTabSz="1022350">
-            <a:lnSpc>
-              <a:spcPct val="90000"/>
-            </a:lnSpc>
-            <a:spcBef>
-              <a:spcPct val="0"/>
-            </a:spcBef>
-            <a:spcAft>
-              <a:spcPct val="35000"/>
-            </a:spcAft>
-          </a:pPr>
-          <a:r>
-            <a:rPr lang="en-US" sz="2300" kern="1200" dirty="0" smtClean="0"/>
-            <a:t>Audio Player</a:t>
-          </a:r>
-          <a:endParaRPr lang="en-US" sz="2300" kern="1200" dirty="0"/>
-        </a:p>
-      </dsp:txBody>
-      <dsp:txXfrm>
-        <a:off x="5763374" y="2065747"/>
-        <a:ext cx="1586658" cy="793329"/>
-      </dsp:txXfrm>
-    </dsp:sp>
   </dsp:spTree>
 </dsp:drawing>
 </file>
@@ -4332,7 +3706,7 @@
           <a:p>
             <a:fld id="{EB436BF1-AEED-4D3B-BAC8-6BFABE502F20}" type="datetimeFigureOut">
               <a:rPr lang="en-US" smtClean="0"/>
-              <a:t>5/17/2015</a:t>
+              <a:t>5/20/2015</a:t>
             </a:fld>
             <a:endParaRPr lang="en-US"/>
           </a:p>
@@ -5137,7 +4511,7 @@
           <a:p>
             <a:fld id="{CF87857C-FBC5-4D67-9CE3-27B76D551108}" type="datetimeFigureOut">
               <a:rPr lang="en-US" smtClean="0"/>
-              <a:t>5/17/2015</a:t>
+              <a:t>5/20/2015</a:t>
             </a:fld>
             <a:endParaRPr lang="en-US"/>
           </a:p>
@@ -5425,7 +4799,7 @@
           <a:p>
             <a:fld id="{CF87857C-FBC5-4D67-9CE3-27B76D551108}" type="datetimeFigureOut">
               <a:rPr lang="en-US" smtClean="0"/>
-              <a:t>5/17/2015</a:t>
+              <a:t>5/20/2015</a:t>
             </a:fld>
             <a:endParaRPr lang="en-US"/>
           </a:p>
@@ -5739,7 +5113,7 @@
           <a:p>
             <a:fld id="{CF87857C-FBC5-4D67-9CE3-27B76D551108}" type="datetimeFigureOut">
               <a:rPr lang="en-US" smtClean="0"/>
-              <a:t>5/17/2015</a:t>
+              <a:t>5/20/2015</a:t>
             </a:fld>
             <a:endParaRPr lang="en-US"/>
           </a:p>
@@ -6080,7 +5454,7 @@
           <a:p>
             <a:fld id="{CF87857C-FBC5-4D67-9CE3-27B76D551108}" type="datetimeFigureOut">
               <a:rPr lang="en-US" smtClean="0"/>
-              <a:t>5/17/2015</a:t>
+              <a:t>5/20/2015</a:t>
             </a:fld>
             <a:endParaRPr lang="en-US"/>
           </a:p>
@@ -6394,7 +5768,7 @@
           <a:p>
             <a:fld id="{CF87857C-FBC5-4D67-9CE3-27B76D551108}" type="datetimeFigureOut">
               <a:rPr lang="en-US" smtClean="0"/>
-              <a:t>5/17/2015</a:t>
+              <a:t>5/20/2015</a:t>
             </a:fld>
             <a:endParaRPr lang="en-US"/>
           </a:p>
@@ -6787,7 +6161,7 @@
           <a:p>
             <a:fld id="{CF87857C-FBC5-4D67-9CE3-27B76D551108}" type="datetimeFigureOut">
               <a:rPr lang="en-US" smtClean="0"/>
-              <a:t>5/17/2015</a:t>
+              <a:t>5/20/2015</a:t>
             </a:fld>
             <a:endParaRPr lang="en-US"/>
           </a:p>
@@ -6957,7 +6331,7 @@
           <a:p>
             <a:fld id="{CF87857C-FBC5-4D67-9CE3-27B76D551108}" type="datetimeFigureOut">
               <a:rPr lang="en-US" smtClean="0"/>
-              <a:t>5/17/2015</a:t>
+              <a:t>5/20/2015</a:t>
             </a:fld>
             <a:endParaRPr lang="en-US"/>
           </a:p>
@@ -7137,7 +6511,7 @@
           <a:p>
             <a:fld id="{CF87857C-FBC5-4D67-9CE3-27B76D551108}" type="datetimeFigureOut">
               <a:rPr lang="en-US" smtClean="0"/>
-              <a:t>5/17/2015</a:t>
+              <a:t>5/20/2015</a:t>
             </a:fld>
             <a:endParaRPr lang="en-US"/>
           </a:p>
@@ -7313,7 +6687,7 @@
           <a:p>
             <a:fld id="{CF87857C-FBC5-4D67-9CE3-27B76D551108}" type="datetimeFigureOut">
               <a:rPr lang="en-US" smtClean="0"/>
-              <a:t>5/17/2015</a:t>
+              <a:t>5/20/2015</a:t>
             </a:fld>
             <a:endParaRPr lang="en-US"/>
           </a:p>
@@ -7567,7 +6941,7 @@
           <a:p>
             <a:fld id="{CF87857C-FBC5-4D67-9CE3-27B76D551108}" type="datetimeFigureOut">
               <a:rPr lang="en-US" smtClean="0"/>
-              <a:t>5/17/2015</a:t>
+              <a:t>5/20/2015</a:t>
             </a:fld>
             <a:endParaRPr lang="en-US"/>
           </a:p>
@@ -7806,7 +7180,7 @@
           <a:p>
             <a:fld id="{CF87857C-FBC5-4D67-9CE3-27B76D551108}" type="datetimeFigureOut">
               <a:rPr lang="en-US" smtClean="0"/>
-              <a:t>5/17/2015</a:t>
+              <a:t>5/20/2015</a:t>
             </a:fld>
             <a:endParaRPr lang="en-US"/>
           </a:p>
@@ -8187,7 +7561,7 @@
           <a:p>
             <a:fld id="{CF87857C-FBC5-4D67-9CE3-27B76D551108}" type="datetimeFigureOut">
               <a:rPr lang="en-US" smtClean="0"/>
-              <a:t>5/17/2015</a:t>
+              <a:t>5/20/2015</a:t>
             </a:fld>
             <a:endParaRPr lang="en-US"/>
           </a:p>
@@ -8317,7 +7691,7 @@
           <a:p>
             <a:fld id="{CF87857C-FBC5-4D67-9CE3-27B76D551108}" type="datetimeFigureOut">
               <a:rPr lang="en-US" smtClean="0"/>
-              <a:t>5/17/2015</a:t>
+              <a:t>5/20/2015</a:t>
             </a:fld>
             <a:endParaRPr lang="en-US"/>
           </a:p>
@@ -8419,7 +7793,7 @@
           <a:p>
             <a:fld id="{CF87857C-FBC5-4D67-9CE3-27B76D551108}" type="datetimeFigureOut">
               <a:rPr lang="en-US" smtClean="0"/>
-              <a:t>5/17/2015</a:t>
+              <a:t>5/20/2015</a:t>
             </a:fld>
             <a:endParaRPr lang="en-US"/>
           </a:p>
@@ -8681,7 +8055,7 @@
           <a:p>
             <a:fld id="{CF87857C-FBC5-4D67-9CE3-27B76D551108}" type="datetimeFigureOut">
               <a:rPr lang="en-US" smtClean="0"/>
-              <a:t>5/17/2015</a:t>
+              <a:t>5/20/2015</a:t>
             </a:fld>
             <a:endParaRPr lang="en-US"/>
           </a:p>
@@ -8951,7 +8325,7 @@
           <a:p>
             <a:fld id="{CF87857C-FBC5-4D67-9CE3-27B76D551108}" type="datetimeFigureOut">
               <a:rPr lang="en-US" smtClean="0"/>
-              <a:t>5/17/2015</a:t>
+              <a:t>5/20/2015</a:t>
             </a:fld>
             <a:endParaRPr lang="en-US"/>
           </a:p>
@@ -9701,7 +9075,7 @@
           <a:p>
             <a:fld id="{CF87857C-FBC5-4D67-9CE3-27B76D551108}" type="datetimeFigureOut">
               <a:rPr lang="en-US" smtClean="0"/>
-              <a:t>5/17/2015</a:t>
+              <a:t>5/20/2015</a:t>
             </a:fld>
             <a:endParaRPr lang="en-US"/>
           </a:p>
@@ -11928,6 +11302,53 @@
       </p:grpSpPr>
       <p:pic>
         <p:nvPicPr>
+          <p:cNvPr id="10" name="Picture 9"/>
+          <p:cNvPicPr>
+            <a:picLocks noChangeAspect="1"/>
+          </p:cNvPicPr>
+          <p:nvPr/>
+        </p:nvPicPr>
+        <p:blipFill>
+          <a:blip r:embed="rId2"/>
+          <a:stretch>
+            <a:fillRect/>
+          </a:stretch>
+        </p:blipFill>
+        <p:spPr>
+          <a:xfrm>
+            <a:off x="8461612" y="53195"/>
+            <a:ext cx="2333768" cy="3186400"/>
+          </a:xfrm>
+          <a:prstGeom prst="rect">
+            <a:avLst/>
+          </a:prstGeom>
+        </p:spPr>
+      </p:pic>
+      <p:pic>
+        <p:nvPicPr>
+          <p:cNvPr id="12" name="Picture 11"/>
+          <p:cNvPicPr>
+            <a:picLocks noChangeAspect="1"/>
+          </p:cNvPicPr>
+          <p:nvPr/>
+        </p:nvPicPr>
+        <p:blipFill rotWithShape="1">
+          <a:blip r:embed="rId3"/>
+          <a:srcRect l="12653" t="51088" r="19448" b="15270"/>
+          <a:stretch/>
+        </p:blipFill>
+        <p:spPr>
+          <a:xfrm>
+            <a:off x="8555795" y="2019866"/>
+            <a:ext cx="2006896" cy="996287"/>
+          </a:xfrm>
+          <a:prstGeom prst="rect">
+            <a:avLst/>
+          </a:prstGeom>
+        </p:spPr>
+      </p:pic>
+      <p:pic>
+        <p:nvPicPr>
           <p:cNvPr id="4" name="Picture 3"/>
           <p:cNvPicPr>
             <a:picLocks noChangeAspect="1"/>
@@ -11935,7 +11356,7 @@
           <p:nvPr/>
         </p:nvPicPr>
         <p:blipFill>
-          <a:blip r:embed="rId2" cstate="print">
+          <a:blip r:embed="rId4" cstate="print">
             <a:extLst>
               <a:ext uri="{28A0092B-C50C-407E-A947-70E740481C1C}">
                 <a14:useLocalDpi xmlns:a14="http://schemas.microsoft.com/office/drawing/2010/main" val="0"/>
@@ -11965,7 +11386,7 @@
           <p:nvPr/>
         </p:nvPicPr>
         <p:blipFill>
-          <a:blip r:embed="rId3" cstate="print">
+          <a:blip r:embed="rId5" cstate="print">
             <a:extLst>
               <a:ext uri="{28A0092B-C50C-407E-A947-70E740481C1C}">
                 <a14:useLocalDpi xmlns:a14="http://schemas.microsoft.com/office/drawing/2010/main" val="0"/>
@@ -11988,36 +11409,6 @@
       </p:pic>
       <p:pic>
         <p:nvPicPr>
-          <p:cNvPr id="6" name="Picture 5"/>
-          <p:cNvPicPr>
-            <a:picLocks noChangeAspect="1"/>
-          </p:cNvPicPr>
-          <p:nvPr/>
-        </p:nvPicPr>
-        <p:blipFill>
-          <a:blip r:embed="rId4" cstate="print">
-            <a:extLst>
-              <a:ext uri="{28A0092B-C50C-407E-A947-70E740481C1C}">
-                <a14:useLocalDpi xmlns:a14="http://schemas.microsoft.com/office/drawing/2010/main" val="0"/>
-              </a:ext>
-            </a:extLst>
-          </a:blip>
-          <a:stretch>
-            <a:fillRect/>
-          </a:stretch>
-        </p:blipFill>
-        <p:spPr>
-          <a:xfrm>
-            <a:off x="6516737" y="85745"/>
-            <a:ext cx="1915306" cy="3069806"/>
-          </a:xfrm>
-          <a:prstGeom prst="rect">
-            <a:avLst/>
-          </a:prstGeom>
-        </p:spPr>
-      </p:pic>
-      <p:pic>
-        <p:nvPicPr>
           <p:cNvPr id="2" name="Picture 1"/>
           <p:cNvPicPr>
             <a:picLocks noChangeAspect="1"/>
@@ -12025,7 +11416,7 @@
           <p:nvPr/>
         </p:nvPicPr>
         <p:blipFill rotWithShape="1">
-          <a:blip r:embed="rId5"/>
+          <a:blip r:embed="rId3"/>
           <a:srcRect l="3549" t="6223" r="7843" b="6598"/>
           <a:stretch/>
         </p:blipFill>
@@ -12064,22 +11455,74 @@
       </p:pic>
       <p:pic>
         <p:nvPicPr>
-          <p:cNvPr id="10" name="Picture 9"/>
+          <p:cNvPr id="7" name="Picture 6"/>
           <p:cNvPicPr>
             <a:picLocks noChangeAspect="1"/>
           </p:cNvPicPr>
           <p:nvPr/>
         </p:nvPicPr>
         <p:blipFill>
-          <a:blip r:embed="rId7"/>
+          <a:blip r:embed="rId7" cstate="print">
+            <a:extLst>
+              <a:ext uri="{28A0092B-C50C-407E-A947-70E740481C1C}">
+                <a14:useLocalDpi xmlns:a14="http://schemas.microsoft.com/office/drawing/2010/main" val="0"/>
+              </a:ext>
+            </a:extLst>
+          </a:blip>
           <a:stretch>
             <a:fillRect/>
           </a:stretch>
         </p:blipFill>
         <p:spPr>
           <a:xfrm>
-            <a:off x="8555796" y="53195"/>
-            <a:ext cx="2239584" cy="3186400"/>
+            <a:off x="6457516" y="85745"/>
+            <a:ext cx="1703845" cy="3029058"/>
+          </a:xfrm>
+          <a:prstGeom prst="rect">
+            <a:avLst/>
+          </a:prstGeom>
+        </p:spPr>
+      </p:pic>
+      <p:pic>
+        <p:nvPicPr>
+          <p:cNvPr id="9" name="Picture 8"/>
+          <p:cNvPicPr>
+            <a:picLocks noChangeAspect="1"/>
+          </p:cNvPicPr>
+          <p:nvPr/>
+        </p:nvPicPr>
+        <p:blipFill rotWithShape="1">
+          <a:blip r:embed="rId2"/>
+          <a:srcRect l="5443" t="71929" r="11680" b="5370"/>
+          <a:stretch/>
+        </p:blipFill>
+        <p:spPr>
+          <a:xfrm>
+            <a:off x="8747539" y="2019867"/>
+            <a:ext cx="1856097" cy="723333"/>
+          </a:xfrm>
+          <a:prstGeom prst="rect">
+            <a:avLst/>
+          </a:prstGeom>
+        </p:spPr>
+      </p:pic>
+      <p:pic>
+        <p:nvPicPr>
+          <p:cNvPr id="13" name="Picture 12"/>
+          <p:cNvPicPr>
+            <a:picLocks noChangeAspect="1"/>
+          </p:cNvPicPr>
+          <p:nvPr/>
+        </p:nvPicPr>
+        <p:blipFill rotWithShape="1">
+          <a:blip r:embed="rId2"/>
+          <a:srcRect l="5443" t="71929" r="11680" b="5370"/>
+          <a:stretch/>
+        </p:blipFill>
+        <p:spPr>
+          <a:xfrm>
+            <a:off x="9205330" y="2714766"/>
+            <a:ext cx="846332" cy="329821"/>
           </a:xfrm>
           <a:prstGeom prst="rect">
             <a:avLst/>
